--- a/UMBook.pptx
+++ b/UMBook.pptx
@@ -355,7 +355,7 @@
           <a:p>
             <a:fld id="{F91D42ED-8E5F-4516-9457-40DC99943CB1}" type="datetimeFigureOut">
               <a:rPr lang="pt-PT" smtClean="0"/>
-              <a:t>26/01/2020</a:t>
+              <a:t>28/01/2020</a:t>
             </a:fld>
             <a:endParaRPr lang="pt-PT"/>
           </a:p>
@@ -563,7 +563,7 @@
           <a:p>
             <a:fld id="{F91D42ED-8E5F-4516-9457-40DC99943CB1}" type="datetimeFigureOut">
               <a:rPr lang="pt-PT" smtClean="0"/>
-              <a:t>26/01/2020</a:t>
+              <a:t>28/01/2020</a:t>
             </a:fld>
             <a:endParaRPr lang="pt-PT"/>
           </a:p>
@@ -819,7 +819,7 @@
           <a:p>
             <a:fld id="{F91D42ED-8E5F-4516-9457-40DC99943CB1}" type="datetimeFigureOut">
               <a:rPr lang="pt-PT" smtClean="0"/>
-              <a:t>26/01/2020</a:t>
+              <a:t>28/01/2020</a:t>
             </a:fld>
             <a:endParaRPr lang="pt-PT"/>
           </a:p>
@@ -989,7 +989,7 @@
           <a:p>
             <a:fld id="{F91D42ED-8E5F-4516-9457-40DC99943CB1}" type="datetimeFigureOut">
               <a:rPr lang="pt-PT" smtClean="0"/>
-              <a:t>26/01/2020</a:t>
+              <a:t>28/01/2020</a:t>
             </a:fld>
             <a:endParaRPr lang="pt-PT"/>
           </a:p>
@@ -1332,7 +1332,7 @@
           <a:p>
             <a:fld id="{F91D42ED-8E5F-4516-9457-40DC99943CB1}" type="datetimeFigureOut">
               <a:rPr lang="pt-PT" smtClean="0"/>
-              <a:t>26/01/2020</a:t>
+              <a:t>28/01/2020</a:t>
             </a:fld>
             <a:endParaRPr lang="pt-PT"/>
           </a:p>
@@ -1607,7 +1607,7 @@
           <a:p>
             <a:fld id="{F91D42ED-8E5F-4516-9457-40DC99943CB1}" type="datetimeFigureOut">
               <a:rPr lang="pt-PT" smtClean="0"/>
-              <a:t>26/01/2020</a:t>
+              <a:t>28/01/2020</a:t>
             </a:fld>
             <a:endParaRPr lang="pt-PT"/>
           </a:p>
@@ -1986,7 +1986,7 @@
           <a:p>
             <a:fld id="{F91D42ED-8E5F-4516-9457-40DC99943CB1}" type="datetimeFigureOut">
               <a:rPr lang="pt-PT" smtClean="0"/>
-              <a:t>26/01/2020</a:t>
+              <a:t>28/01/2020</a:t>
             </a:fld>
             <a:endParaRPr lang="pt-PT"/>
           </a:p>
@@ -2104,7 +2104,7 @@
           <a:p>
             <a:fld id="{F91D42ED-8E5F-4516-9457-40DC99943CB1}" type="datetimeFigureOut">
               <a:rPr lang="pt-PT" smtClean="0"/>
-              <a:t>26/01/2020</a:t>
+              <a:t>28/01/2020</a:t>
             </a:fld>
             <a:endParaRPr lang="pt-PT"/>
           </a:p>
@@ -2275,7 +2275,7 @@
           <a:p>
             <a:fld id="{F91D42ED-8E5F-4516-9457-40DC99943CB1}" type="datetimeFigureOut">
               <a:rPr lang="pt-PT" smtClean="0"/>
-              <a:t>26/01/2020</a:t>
+              <a:t>28/01/2020</a:t>
             </a:fld>
             <a:endParaRPr lang="pt-PT"/>
           </a:p>
@@ -2629,7 +2629,7 @@
           <a:p>
             <a:fld id="{F91D42ED-8E5F-4516-9457-40DC99943CB1}" type="datetimeFigureOut">
               <a:rPr lang="pt-PT" smtClean="0"/>
-              <a:t>26/01/2020</a:t>
+              <a:t>28/01/2020</a:t>
             </a:fld>
             <a:endParaRPr lang="pt-PT"/>
           </a:p>
@@ -3006,7 +3006,7 @@
           <a:p>
             <a:fld id="{F91D42ED-8E5F-4516-9457-40DC99943CB1}" type="datetimeFigureOut">
               <a:rPr lang="pt-PT" smtClean="0"/>
-              <a:t>26/01/2020</a:t>
+              <a:t>28/01/2020</a:t>
             </a:fld>
             <a:endParaRPr lang="pt-PT"/>
           </a:p>
@@ -3293,7 +3293,7 @@
           <a:p>
             <a:fld id="{F91D42ED-8E5F-4516-9457-40DC99943CB1}" type="datetimeFigureOut">
               <a:rPr lang="pt-PT" smtClean="0"/>
-              <a:t>26/01/2020</a:t>
+              <a:t>28/01/2020</a:t>
             </a:fld>
             <a:endParaRPr lang="pt-PT"/>
           </a:p>
@@ -4180,10 +4180,10 @@
       </p:pic>
       <p:pic>
         <p:nvPicPr>
-          <p:cNvPr id="21" name="Picture 20" descr="A screenshot of a cell phone&#10;&#10;Description automatically generated">
+          <p:cNvPr id="3" name="Picture 2" descr="A screenshot of a cell phone&#10;&#10;Description automatically generated">
             <a:extLst>
               <a:ext uri="{FF2B5EF4-FFF2-40B4-BE49-F238E27FC236}">
-                <a16:creationId xmlns:a16="http://schemas.microsoft.com/office/drawing/2014/main" id="{1661E021-52A8-419B-898B-795486E22003}"/>
+                <a16:creationId xmlns:a16="http://schemas.microsoft.com/office/drawing/2014/main" id="{D6FA6DD7-1648-47A2-A56B-5B7871D114F1}"/>
               </a:ext>
             </a:extLst>
           </p:cNvPr>
@@ -4206,8 +4206,8 @@
         </p:blipFill>
         <p:spPr>
           <a:xfrm>
-            <a:off x="1097280" y="2001369"/>
-            <a:ext cx="2219325" cy="4124325"/>
+            <a:off x="1166812" y="1814512"/>
+            <a:ext cx="2219325" cy="4410075"/>
           </a:xfrm>
           <a:prstGeom prst="rect">
             <a:avLst/>
@@ -4315,10 +4315,10 @@
       </p:pic>
       <p:pic>
         <p:nvPicPr>
-          <p:cNvPr id="4" name="Picture 3" descr="A picture containing bird&#10;&#10;Description automatically generated">
+          <p:cNvPr id="5" name="Picture 4" descr="A screenshot of a cell phone&#10;&#10;Description automatically generated">
             <a:extLst>
               <a:ext uri="{FF2B5EF4-FFF2-40B4-BE49-F238E27FC236}">
-                <a16:creationId xmlns:a16="http://schemas.microsoft.com/office/drawing/2014/main" id="{F9CC3D01-946D-46B6-9B85-02E30D88EB3A}"/>
+                <a16:creationId xmlns:a16="http://schemas.microsoft.com/office/drawing/2014/main" id="{5ADFFD41-B264-423B-A526-62FBD41E01A3}"/>
               </a:ext>
             </a:extLst>
           </p:cNvPr>
@@ -4341,8 +4341,8 @@
         </p:blipFill>
         <p:spPr>
           <a:xfrm>
-            <a:off x="1247102" y="2319337"/>
-            <a:ext cx="2505075" cy="2219325"/>
+            <a:off x="4885314" y="2319337"/>
+            <a:ext cx="2219325" cy="2981325"/>
           </a:xfrm>
           <a:prstGeom prst="rect">
             <a:avLst/>
@@ -4351,10 +4351,10 @@
       </p:pic>
       <p:pic>
         <p:nvPicPr>
-          <p:cNvPr id="5" name="Picture 4" descr="A screenshot of a cell phone&#10;&#10;Description automatically generated">
+          <p:cNvPr id="7" name="Picture 6" descr="A picture containing bird, table&#10;&#10;Description automatically generated">
             <a:extLst>
               <a:ext uri="{FF2B5EF4-FFF2-40B4-BE49-F238E27FC236}">
-                <a16:creationId xmlns:a16="http://schemas.microsoft.com/office/drawing/2014/main" id="{5ADFFD41-B264-423B-A526-62FBD41E01A3}"/>
+                <a16:creationId xmlns:a16="http://schemas.microsoft.com/office/drawing/2014/main" id="{9B1F5F6B-AC75-4693-A972-BAC2D7C5C44C}"/>
               </a:ext>
             </a:extLst>
           </p:cNvPr>
@@ -4377,8 +4377,8 @@
         </p:blipFill>
         <p:spPr>
           <a:xfrm>
-            <a:off x="4885314" y="2319337"/>
-            <a:ext cx="2219325" cy="2981325"/>
+            <a:off x="1059276" y="2319337"/>
+            <a:ext cx="2760249" cy="2025582"/>
           </a:xfrm>
           <a:prstGeom prst="rect">
             <a:avLst/>
@@ -4684,44 +4684,6 @@
           </a:p>
         </p:txBody>
       </p:sp>
-      <p:pic>
-        <p:nvPicPr>
-          <p:cNvPr id="5" name="Content Placeholder 4" descr="A picture containing star, dark, black, night&#10;&#10;Description automatically generated">
-            <a:extLst>
-              <a:ext uri="{FF2B5EF4-FFF2-40B4-BE49-F238E27FC236}">
-                <a16:creationId xmlns:a16="http://schemas.microsoft.com/office/drawing/2014/main" id="{5411C6A7-F667-4BD3-A6BF-BF9498FF9123}"/>
-              </a:ext>
-            </a:extLst>
-          </p:cNvPr>
-          <p:cNvPicPr>
-            <a:picLocks noGrp="1" noChangeAspect="1"/>
-          </p:cNvPicPr>
-          <p:nvPr>
-            <p:ph idx="4294967295"/>
-          </p:nvPr>
-        </p:nvPicPr>
-        <p:blipFill>
-          <a:blip r:embed="rId2">
-            <a:extLst>
-              <a:ext uri="{28A0092B-C50C-407E-A947-70E740481C1C}">
-                <a14:useLocalDpi xmlns:a14="http://schemas.microsoft.com/office/drawing/2010/main" val="0"/>
-              </a:ext>
-            </a:extLst>
-          </a:blip>
-          <a:stretch>
-            <a:fillRect/>
-          </a:stretch>
-        </p:blipFill>
-        <p:spPr>
-          <a:xfrm>
-            <a:off x="633999" y="523684"/>
-            <a:ext cx="7228506" cy="5312952"/>
-          </a:xfrm>
-          <a:prstGeom prst="rect">
-            <a:avLst/>
-          </a:prstGeom>
-        </p:spPr>
-      </p:pic>
       <p:cxnSp>
         <p:nvCxnSpPr>
           <p:cNvPr id="13" name="Straight Connector 17">
@@ -4888,6 +4850,42 @@
           </a:fontRef>
         </p:style>
       </p:sp>
+      <p:pic>
+        <p:nvPicPr>
+          <p:cNvPr id="4" name="Picture 3" descr="A star in the dark&#10;&#10;Description automatically generated">
+            <a:extLst>
+              <a:ext uri="{FF2B5EF4-FFF2-40B4-BE49-F238E27FC236}">
+                <a16:creationId xmlns:a16="http://schemas.microsoft.com/office/drawing/2014/main" id="{B0F4124A-6D6A-426E-87A6-B17FB29FDA6F}"/>
+              </a:ext>
+            </a:extLst>
+          </p:cNvPr>
+          <p:cNvPicPr>
+            <a:picLocks noChangeAspect="1"/>
+          </p:cNvPicPr>
+          <p:nvPr/>
+        </p:nvPicPr>
+        <p:blipFill>
+          <a:blip r:embed="rId2">
+            <a:extLst>
+              <a:ext uri="{28A0092B-C50C-407E-A947-70E740481C1C}">
+                <a14:useLocalDpi xmlns:a14="http://schemas.microsoft.com/office/drawing/2010/main" val="0"/>
+              </a:ext>
+            </a:extLst>
+          </a:blip>
+          <a:stretch>
+            <a:fillRect/>
+          </a:stretch>
+        </p:blipFill>
+        <p:spPr>
+          <a:xfrm>
+            <a:off x="60010" y="457200"/>
+            <a:ext cx="8607740" cy="5543476"/>
+          </a:xfrm>
+          <a:prstGeom prst="rect">
+            <a:avLst/>
+          </a:prstGeom>
+        </p:spPr>
+      </p:pic>
     </p:spTree>
     <p:extLst>
       <p:ext uri="{BB962C8B-B14F-4D97-AF65-F5344CB8AC3E}">
@@ -5441,21 +5439,6 @@
 </file>
 
 <file path=customXml/item1.xml><?xml version="1.0" encoding="utf-8"?>
-<p:properties xmlns:p="http://schemas.microsoft.com/office/2006/metadata/properties" xmlns:xsi="http://www.w3.org/2001/XMLSchema-instance" xmlns:pc="http://schemas.microsoft.com/office/infopath/2007/PartnerControls">
-  <documentManagement/>
-</p:properties>
-</file>
-
-<file path=customXml/item2.xml><?xml version="1.0" encoding="utf-8"?>
-<?mso-contentType ?>
-<FormTemplates xmlns="http://schemas.microsoft.com/sharepoint/v3/contenttype/forms">
-  <Display>DocumentLibraryForm</Display>
-  <Edit>DocumentLibraryForm</Edit>
-  <New>DocumentLibraryForm</New>
-</FormTemplates>
-</file>
-
-<file path=customXml/item3.xml><?xml version="1.0" encoding="utf-8"?>
 <ct:contentTypeSchema xmlns:ct="http://schemas.microsoft.com/office/2006/metadata/contentType" xmlns:ma="http://schemas.microsoft.com/office/2006/metadata/properties/metaAttributes" ct:_="" ma:_="" ma:contentTypeName="Documento" ma:contentTypeID="0x01010076944EE1389AAC4C901C6B8160E13867" ma:contentTypeVersion="3" ma:contentTypeDescription="Criar um novo documento." ma:contentTypeScope="" ma:versionID="a39a4e59c4ff0e21a605561a7557984b">
   <xsd:schema xmlns:xsd="http://www.w3.org/2001/XMLSchema" xmlns:xs="http://www.w3.org/2001/XMLSchema" xmlns:p="http://schemas.microsoft.com/office/2006/metadata/properties" xmlns:ns3="cbcf43a4-ceb2-44b8-9deb-b6d7437e5ed1" targetNamespace="http://schemas.microsoft.com/office/2006/metadata/properties" ma:root="true" ma:fieldsID="498da6f008412a3c644f5aab3f0e1870" ns3:_="">
     <xsd:import namespace="cbcf43a4-ceb2-44b8-9deb-b6d7437e5ed1"/>
@@ -5593,31 +5576,22 @@
 </ct:contentTypeSchema>
 </file>
 
-<file path=customXml/itemProps1.xml><?xml version="1.0" encoding="utf-8"?>
-<ds:datastoreItem xmlns:ds="http://schemas.openxmlformats.org/officeDocument/2006/customXml" ds:itemID="{E047C5E2-D810-4563-94F9-00D1862A3F3C}">
-  <ds:schemaRefs>
-    <ds:schemaRef ds:uri="http://schemas.microsoft.com/office/infopath/2007/PartnerControls"/>
-    <ds:schemaRef ds:uri="cbcf43a4-ceb2-44b8-9deb-b6d7437e5ed1"/>
-    <ds:schemaRef ds:uri="http://purl.org/dc/terms/"/>
-    <ds:schemaRef ds:uri="http://schemas.microsoft.com/office/2006/documentManagement/types"/>
-    <ds:schemaRef ds:uri="http://purl.org/dc/elements/1.1/"/>
-    <ds:schemaRef ds:uri="http://schemas.microsoft.com/office/2006/metadata/properties"/>
-    <ds:schemaRef ds:uri="http://schemas.openxmlformats.org/package/2006/metadata/core-properties"/>
-    <ds:schemaRef ds:uri="http://www.w3.org/XML/1998/namespace"/>
-    <ds:schemaRef ds:uri="http://purl.org/dc/dcmitype/"/>
-  </ds:schemaRefs>
-</ds:datastoreItem>
+<file path=customXml/item2.xml><?xml version="1.0" encoding="utf-8"?>
+<?mso-contentType ?>
+<FormTemplates xmlns="http://schemas.microsoft.com/sharepoint/v3/contenttype/forms">
+  <Display>DocumentLibraryForm</Display>
+  <Edit>DocumentLibraryForm</Edit>
+  <New>DocumentLibraryForm</New>
+</FormTemplates>
 </file>
 
-<file path=customXml/itemProps2.xml><?xml version="1.0" encoding="utf-8"?>
-<ds:datastoreItem xmlns:ds="http://schemas.openxmlformats.org/officeDocument/2006/customXml" ds:itemID="{6E9B930C-F212-4570-8925-BE6D6A31189E}">
-  <ds:schemaRefs>
-    <ds:schemaRef ds:uri="http://schemas.microsoft.com/sharepoint/v3/contenttype/forms"/>
-  </ds:schemaRefs>
-</ds:datastoreItem>
+<file path=customXml/item3.xml><?xml version="1.0" encoding="utf-8"?>
+<p:properties xmlns:p="http://schemas.microsoft.com/office/2006/metadata/properties" xmlns:xsi="http://www.w3.org/2001/XMLSchema-instance" xmlns:pc="http://schemas.microsoft.com/office/infopath/2007/PartnerControls">
+  <documentManagement/>
+</p:properties>
 </file>
 
-<file path=customXml/itemProps3.xml><?xml version="1.0" encoding="utf-8"?>
+<file path=customXml/itemProps1.xml><?xml version="1.0" encoding="utf-8"?>
 <ds:datastoreItem xmlns:ds="http://schemas.openxmlformats.org/officeDocument/2006/customXml" ds:itemID="{A1B0592D-D8D4-48FF-8CFD-60558324B032}">
   <ds:schemaRefs>
     <ds:schemaRef ds:uri="http://schemas.microsoft.com/office/2006/metadata/contentType"/>
@@ -5633,4 +5607,28 @@
     <ds:schemaRef ds:uri="http://schemas.microsoft.com/internal/obd"/>
   </ds:schemaRefs>
 </ds:datastoreItem>
+</file>
+
+<file path=customXml/itemProps2.xml><?xml version="1.0" encoding="utf-8"?>
+<ds:datastoreItem xmlns:ds="http://schemas.openxmlformats.org/officeDocument/2006/customXml" ds:itemID="{6E9B930C-F212-4570-8925-BE6D6A31189E}">
+  <ds:schemaRefs>
+    <ds:schemaRef ds:uri="http://schemas.microsoft.com/sharepoint/v3/contenttype/forms"/>
+  </ds:schemaRefs>
+</ds:datastoreItem>
+</file>
+
+<file path=customXml/itemProps3.xml><?xml version="1.0" encoding="utf-8"?>
+<ds:datastoreItem xmlns:ds="http://schemas.openxmlformats.org/officeDocument/2006/customXml" ds:itemID="{E047C5E2-D810-4563-94F9-00D1862A3F3C}">
+  <ds:schemaRefs>
+    <ds:schemaRef ds:uri="http://schemas.microsoft.com/office/infopath/2007/PartnerControls"/>
+    <ds:schemaRef ds:uri="cbcf43a4-ceb2-44b8-9deb-b6d7437e5ed1"/>
+    <ds:schemaRef ds:uri="http://purl.org/dc/terms/"/>
+    <ds:schemaRef ds:uri="http://schemas.microsoft.com/office/2006/documentManagement/types"/>
+    <ds:schemaRef ds:uri="http://purl.org/dc/elements/1.1/"/>
+    <ds:schemaRef ds:uri="http://schemas.microsoft.com/office/2006/metadata/properties"/>
+    <ds:schemaRef ds:uri="http://schemas.openxmlformats.org/package/2006/metadata/core-properties"/>
+    <ds:schemaRef ds:uri="http://www.w3.org/XML/1998/namespace"/>
+    <ds:schemaRef ds:uri="http://purl.org/dc/dcmitype/"/>
+  </ds:schemaRefs>
+</ds:datastoreItem>
 </file>